--- a/cs1301/slides/jGRASP_1.pptx
+++ b/cs1301/slides/jGRASP_1.pptx
@@ -119,16 +119,32 @@
 </p:presentation>
 </file>
 
-<file path=ppt/revisionInfo.xml><?xml version="1.0" encoding="utf-8"?>
-<p1510:revInfo xmlns:a="http://schemas.openxmlformats.org/drawingml/2006/main" xmlns:r="http://schemas.openxmlformats.org/officeDocument/2006/relationships" xmlns:p1510="http://schemas.microsoft.com/office/powerpoint/2015/10/main">
-  <p1510:revLst>
-    <p1510:client id="{3E2B3768-B2FF-B245-80A0-8AECB929D0A3}" v="2" dt="2020-01-16T04:57:40.358"/>
-  </p1510:revLst>
-</p1510:revInfo>
-</file>
-
 <file path=ppt/changesInfos/changesInfo1.xml><?xml version="1.0" encoding="utf-8"?>
 <pc:chgInfo xmlns:a="http://schemas.openxmlformats.org/drawingml/2006/main" xmlns:r="http://schemas.openxmlformats.org/officeDocument/2006/relationships" xmlns:ac="http://schemas.microsoft.com/office/drawing/2013/main/command" xmlns:pc="http://schemas.microsoft.com/office/powerpoint/2013/main/command">
+  <pc:docChgLst>
+    <pc:chgData name="Lin  Chen" userId="5b8d33d8-9b1a-4612-8f39-9bee1ddd9437" providerId="ADAL" clId="{BDDD9575-16D2-AC47-B6AA-05D5E1955D0C}"/>
+    <pc:docChg chg="modSld">
+      <pc:chgData name="Lin  Chen" userId="5b8d33d8-9b1a-4612-8f39-9bee1ddd9437" providerId="ADAL" clId="{BDDD9575-16D2-AC47-B6AA-05D5E1955D0C}" dt="2020-08-09T16:45:36.822" v="4" actId="20577"/>
+      <pc:docMkLst>
+        <pc:docMk/>
+      </pc:docMkLst>
+      <pc:sldChg chg="modSp mod">
+        <pc:chgData name="Lin  Chen" userId="5b8d33d8-9b1a-4612-8f39-9bee1ddd9437" providerId="ADAL" clId="{BDDD9575-16D2-AC47-B6AA-05D5E1955D0C}" dt="2020-08-09T16:45:36.822" v="4" actId="20577"/>
+        <pc:sldMkLst>
+          <pc:docMk/>
+          <pc:sldMk cId="4129535017" sldId="256"/>
+        </pc:sldMkLst>
+        <pc:spChg chg="mod">
+          <ac:chgData name="Lin  Chen" userId="5b8d33d8-9b1a-4612-8f39-9bee1ddd9437" providerId="ADAL" clId="{BDDD9575-16D2-AC47-B6AA-05D5E1955D0C}" dt="2020-08-09T16:45:36.822" v="4" actId="20577"/>
+          <ac:spMkLst>
+            <pc:docMk/>
+            <pc:sldMk cId="4129535017" sldId="256"/>
+            <ac:spMk id="9" creationId="{00000000-0000-0000-0000-000000000000}"/>
+          </ac:spMkLst>
+        </pc:spChg>
+      </pc:sldChg>
+    </pc:docChg>
+  </pc:docChgLst>
   <pc:docChgLst>
     <pc:chgData name="Lin  Chen" userId="5b8d33d8-9b1a-4612-8f39-9bee1ddd9437" providerId="ADAL" clId="{3E2B3768-B2FF-B245-80A0-8AECB929D0A3}"/>
     <pc:docChg chg="modSld">
@@ -945,7 +961,7 @@
           <a:p>
             <a:fld id="{96E653AB-DB9E-4EAF-B653-217F81226048}" type="datetimeFigureOut">
               <a:rPr lang="en-US" smtClean="0"/>
-              <a:t>1/15/20</a:t>
+              <a:t>8/9/20</a:t>
             </a:fld>
             <a:endParaRPr lang="en-US"/>
           </a:p>
@@ -1113,7 +1129,7 @@
           <a:p>
             <a:fld id="{96E653AB-DB9E-4EAF-B653-217F81226048}" type="datetimeFigureOut">
               <a:rPr lang="en-US" smtClean="0"/>
-              <a:t>1/15/20</a:t>
+              <a:t>8/9/20</a:t>
             </a:fld>
             <a:endParaRPr lang="en-US"/>
           </a:p>
@@ -1291,7 +1307,7 @@
           <a:p>
             <a:fld id="{96E653AB-DB9E-4EAF-B653-217F81226048}" type="datetimeFigureOut">
               <a:rPr lang="en-US" smtClean="0"/>
-              <a:t>1/15/20</a:t>
+              <a:t>8/9/20</a:t>
             </a:fld>
             <a:endParaRPr lang="en-US"/>
           </a:p>
@@ -1459,7 +1475,7 @@
           <a:p>
             <a:fld id="{96E653AB-DB9E-4EAF-B653-217F81226048}" type="datetimeFigureOut">
               <a:rPr lang="en-US" smtClean="0"/>
-              <a:t>1/15/20</a:t>
+              <a:t>8/9/20</a:t>
             </a:fld>
             <a:endParaRPr lang="en-US"/>
           </a:p>
@@ -1704,7 +1720,7 @@
           <a:p>
             <a:fld id="{96E653AB-DB9E-4EAF-B653-217F81226048}" type="datetimeFigureOut">
               <a:rPr lang="en-US" smtClean="0"/>
-              <a:t>1/15/20</a:t>
+              <a:t>8/9/20</a:t>
             </a:fld>
             <a:endParaRPr lang="en-US"/>
           </a:p>
@@ -1933,7 +1949,7 @@
           <a:p>
             <a:fld id="{96E653AB-DB9E-4EAF-B653-217F81226048}" type="datetimeFigureOut">
               <a:rPr lang="en-US" smtClean="0"/>
-              <a:t>1/15/20</a:t>
+              <a:t>8/9/20</a:t>
             </a:fld>
             <a:endParaRPr lang="en-US"/>
           </a:p>
@@ -2297,7 +2313,7 @@
           <a:p>
             <a:fld id="{96E653AB-DB9E-4EAF-B653-217F81226048}" type="datetimeFigureOut">
               <a:rPr lang="en-US" smtClean="0"/>
-              <a:t>1/15/20</a:t>
+              <a:t>8/9/20</a:t>
             </a:fld>
             <a:endParaRPr lang="en-US"/>
           </a:p>
@@ -2414,7 +2430,7 @@
           <a:p>
             <a:fld id="{96E653AB-DB9E-4EAF-B653-217F81226048}" type="datetimeFigureOut">
               <a:rPr lang="en-US" smtClean="0"/>
-              <a:t>1/15/20</a:t>
+              <a:t>8/9/20</a:t>
             </a:fld>
             <a:endParaRPr lang="en-US"/>
           </a:p>
@@ -2509,7 +2525,7 @@
           <a:p>
             <a:fld id="{96E653AB-DB9E-4EAF-B653-217F81226048}" type="datetimeFigureOut">
               <a:rPr lang="en-US" smtClean="0"/>
-              <a:t>1/15/20</a:t>
+              <a:t>8/9/20</a:t>
             </a:fld>
             <a:endParaRPr lang="en-US"/>
           </a:p>
@@ -2784,7 +2800,7 @@
           <a:p>
             <a:fld id="{96E653AB-DB9E-4EAF-B653-217F81226048}" type="datetimeFigureOut">
               <a:rPr lang="en-US" smtClean="0"/>
-              <a:t>1/15/20</a:t>
+              <a:t>8/9/20</a:t>
             </a:fld>
             <a:endParaRPr lang="en-US"/>
           </a:p>
@@ -3036,7 +3052,7 @@
           <a:p>
             <a:fld id="{96E653AB-DB9E-4EAF-B653-217F81226048}" type="datetimeFigureOut">
               <a:rPr lang="en-US" smtClean="0"/>
-              <a:t>1/15/20</a:t>
+              <a:t>8/9/20</a:t>
             </a:fld>
             <a:endParaRPr lang="en-US"/>
           </a:p>
@@ -3247,7 +3263,7 @@
           <a:p>
             <a:fld id="{96E653AB-DB9E-4EAF-B653-217F81226048}" type="datetimeFigureOut">
               <a:rPr lang="en-US" smtClean="0"/>
-              <a:t>1/15/20</a:t>
+              <a:t>8/9/20</a:t>
             </a:fld>
             <a:endParaRPr lang="en-US"/>
           </a:p>
@@ -3768,7 +3784,7 @@
         <p:spPr>
           <a:xfrm>
             <a:off x="8319052" y="3717235"/>
-            <a:ext cx="1975221" cy="584775"/>
+            <a:ext cx="1599540" cy="584775"/>
           </a:xfrm>
           <a:prstGeom prst="rect">
             <a:avLst/>
@@ -3785,7 +3801,7 @@
               <a:rPr lang="en-US" sz="3200" b="1" i="1" dirty="0">
                 <a:latin typeface="Brush Script MT" panose="03060802040406070304" pitchFamily="66" charset="0"/>
               </a:rPr>
-              <a:t>Spring 2020</a:t>
+              <a:t>Fall 2020</a:t>
             </a:r>
           </a:p>
         </p:txBody>
